--- a/smartart.pptx
+++ b/smartart.pptx
@@ -104,6 +104,11 @@
       </a:defRPr>
     </a:lvl9pPr>
   </p:defaultTextStyle>
+  <p:extLst>
+    <p:ext uri="{EFAFB233-063F-42B5-8137-9DF3F51BA10A}">
+      <p15:sldGuideLst xmlns:p15="http://schemas.microsoft.com/office/powerpoint/2012/main"/>
+    </p:ext>
+  </p:extLst>
 </p:presentation>
 </file>
 
@@ -1189,8 +1194,12 @@
       <dgm:spPr/>
     </dgm:pt>
     <dgm:pt modelId="{22728C6C-37FF-4746-A96A-C65CC479D842}" type="pres">
-      <dgm:prSet presAssocID="{72604DC5-9A2E-427F-BE2A-4F5A11BBFA2B}" presName="sibTrans" presStyleLbl="sibTrans2D1" presStyleIdx="0" presStyleCnt="2"/>
-      <dgm:spPr/>
+      <dgm:prSet presAssocID="{72604DC5-9A2E-427F-BE2A-4F5A11BBFA2B}" presName="sibTrans" presStyleLbl="sibTrans2D1" presStyleIdx="0" presStyleCnt="2" custAng="5400000" custScaleX="134552" custScaleY="61030"/>
+      <dgm:spPr>
+        <a:prstGeom prst="triangle">
+          <a:avLst/>
+        </a:prstGeom>
+      </dgm:spPr>
     </dgm:pt>
     <dgm:pt modelId="{A2737727-A54F-4848-A2F9-7BEDF140CDF0}" type="pres">
       <dgm:prSet presAssocID="{72604DC5-9A2E-427F-BE2A-4F5A11BBFA2B}" presName="connectorText" presStyleLbl="sibTrans2D1" presStyleIdx="0" presStyleCnt="2"/>
@@ -1205,8 +1214,12 @@
       <dgm:spPr/>
     </dgm:pt>
     <dgm:pt modelId="{43428EA7-DD85-4496-A2F1-2A48FDF7D8BC}" type="pres">
-      <dgm:prSet presAssocID="{F5B50704-50FD-4532-B6A9-D5E5B75AB4D7}" presName="sibTrans" presStyleLbl="sibTrans2D1" presStyleIdx="1" presStyleCnt="2"/>
-      <dgm:spPr/>
+      <dgm:prSet presAssocID="{F5B50704-50FD-4532-B6A9-D5E5B75AB4D7}" presName="sibTrans" presStyleLbl="sibTrans2D1" presStyleIdx="1" presStyleCnt="2" custAng="5400000" custScaleX="134291" custScaleY="61042"/>
+      <dgm:spPr>
+        <a:prstGeom prst="triangle">
+          <a:avLst/>
+        </a:prstGeom>
+      </dgm:spPr>
     </dgm:pt>
     <dgm:pt modelId="{7E664F2A-3ED0-4251-8856-269AF81D2667}" type="pres">
       <dgm:prSet presAssocID="{F5B50704-50FD-4532-B6A9-D5E5B75AB4D7}" presName="connectorText" presStyleLbl="sibTrans2D1" presStyleIdx="1" presStyleCnt="2"/>
@@ -1352,15 +1365,12 @@
         <dsp:cNvSpPr/>
       </dsp:nvSpPr>
       <dsp:spPr>
-        <a:xfrm rot="5400000">
-          <a:off x="2377791" y="1531416"/>
-          <a:ext cx="560274" cy="672329"/>
+        <a:xfrm rot="10800000">
+          <a:off x="2280998" y="1662419"/>
+          <a:ext cx="753860" cy="410322"/>
         </a:xfrm>
-        <a:prstGeom prst="rightArrow">
-          <a:avLst>
-            <a:gd name="adj1" fmla="val 60000"/>
-            <a:gd name="adj2" fmla="val 50000"/>
-          </a:avLst>
+        <a:prstGeom prst="triangle">
+          <a:avLst/>
         </a:prstGeom>
         <a:solidFill>
           <a:schemeClr val="dk2">
@@ -1416,8 +1426,8 @@
         </a:p>
       </dsp:txBody>
       <dsp:txXfrm rot="-5400000">
-        <a:off x="2456230" y="1587443"/>
-        <a:ext cx="403397" cy="392192"/>
+        <a:off x="2596379" y="1552199"/>
+        <a:ext cx="246194" cy="630763"/>
       </dsp:txXfrm>
     </dsp:sp>
     <dsp:sp modelId="{EC8B9147-7B29-4D40-8BE3-605D44A687B6}">
@@ -1517,15 +1527,12 @@
         <dsp:cNvSpPr/>
       </dsp:nvSpPr>
       <dsp:spPr>
-        <a:xfrm rot="5400000">
-          <a:off x="2377791" y="3772512"/>
-          <a:ext cx="560274" cy="672329"/>
+        <a:xfrm rot="10800000">
+          <a:off x="2281730" y="3903475"/>
+          <a:ext cx="752397" cy="410403"/>
         </a:xfrm>
-        <a:prstGeom prst="rightArrow">
-          <a:avLst>
-            <a:gd name="adj1" fmla="val 60000"/>
-            <a:gd name="adj2" fmla="val 50000"/>
-          </a:avLst>
+        <a:prstGeom prst="triangle">
+          <a:avLst/>
         </a:prstGeom>
         <a:solidFill>
           <a:schemeClr val="dk2">
@@ -1581,8 +1588,8 @@
         </a:p>
       </dsp:txBody>
       <dsp:txXfrm rot="-5400000">
-        <a:off x="2456230" y="3828539"/>
-        <a:ext cx="403397" cy="392192"/>
+        <a:off x="2596368" y="3794039"/>
+        <a:ext cx="246241" cy="629276"/>
       </dsp:txXfrm>
     </dsp:sp>
     <dsp:sp modelId="{92738451-68D7-4EA0-8BCB-0619C9AE5275}">
@@ -2994,7 +3001,7 @@
           <a:p>
             <a:fld id="{4CA0CF49-733F-4C5F-A4B4-F52C035C356A}" type="datetimeFigureOut">
               <a:rPr kumimoji="1" lang="ja-JP" altLang="en-US" smtClean="0"/>
-              <a:t>2023/2/7</a:t>
+              <a:t>2023/2/8</a:t>
             </a:fld>
             <a:endParaRPr kumimoji="1" lang="ja-JP" altLang="en-US"/>
           </a:p>
@@ -3196,7 +3203,7 @@
           <a:p>
             <a:fld id="{4CA0CF49-733F-4C5F-A4B4-F52C035C356A}" type="datetimeFigureOut">
               <a:rPr kumimoji="1" lang="ja-JP" altLang="en-US" smtClean="0"/>
-              <a:t>2023/2/7</a:t>
+              <a:t>2023/2/8</a:t>
             </a:fld>
             <a:endParaRPr kumimoji="1" lang="ja-JP" altLang="en-US"/>
           </a:p>
@@ -3408,7 +3415,7 @@
           <a:p>
             <a:fld id="{4CA0CF49-733F-4C5F-A4B4-F52C035C356A}" type="datetimeFigureOut">
               <a:rPr kumimoji="1" lang="ja-JP" altLang="en-US" smtClean="0"/>
-              <a:t>2023/2/7</a:t>
+              <a:t>2023/2/8</a:t>
             </a:fld>
             <a:endParaRPr kumimoji="1" lang="ja-JP" altLang="en-US"/>
           </a:p>
@@ -3610,7 +3617,7 @@
           <a:p>
             <a:fld id="{4CA0CF49-733F-4C5F-A4B4-F52C035C356A}" type="datetimeFigureOut">
               <a:rPr kumimoji="1" lang="ja-JP" altLang="en-US" smtClean="0"/>
-              <a:t>2023/2/7</a:t>
+              <a:t>2023/2/8</a:t>
             </a:fld>
             <a:endParaRPr kumimoji="1" lang="ja-JP" altLang="en-US"/>
           </a:p>
@@ -3854,7 +3861,7 @@
           <a:p>
             <a:fld id="{4CA0CF49-733F-4C5F-A4B4-F52C035C356A}" type="datetimeFigureOut">
               <a:rPr kumimoji="1" lang="ja-JP" altLang="en-US" smtClean="0"/>
-              <a:t>2023/2/7</a:t>
+              <a:t>2023/2/8</a:t>
             </a:fld>
             <a:endParaRPr kumimoji="1" lang="ja-JP" altLang="en-US"/>
           </a:p>
@@ -4150,7 +4157,7 @@
           <a:p>
             <a:fld id="{4CA0CF49-733F-4C5F-A4B4-F52C035C356A}" type="datetimeFigureOut">
               <a:rPr kumimoji="1" lang="ja-JP" altLang="en-US" smtClean="0"/>
-              <a:t>2023/2/7</a:t>
+              <a:t>2023/2/8</a:t>
             </a:fld>
             <a:endParaRPr kumimoji="1" lang="ja-JP" altLang="en-US"/>
           </a:p>
@@ -4581,7 +4588,7 @@
           <a:p>
             <a:fld id="{4CA0CF49-733F-4C5F-A4B4-F52C035C356A}" type="datetimeFigureOut">
               <a:rPr kumimoji="1" lang="ja-JP" altLang="en-US" smtClean="0"/>
-              <a:t>2023/2/7</a:t>
+              <a:t>2023/2/8</a:t>
             </a:fld>
             <a:endParaRPr kumimoji="1" lang="ja-JP" altLang="en-US"/>
           </a:p>
@@ -4699,7 +4706,7 @@
           <a:p>
             <a:fld id="{4CA0CF49-733F-4C5F-A4B4-F52C035C356A}" type="datetimeFigureOut">
               <a:rPr kumimoji="1" lang="ja-JP" altLang="en-US" smtClean="0"/>
-              <a:t>2023/2/7</a:t>
+              <a:t>2023/2/8</a:t>
             </a:fld>
             <a:endParaRPr kumimoji="1" lang="ja-JP" altLang="en-US"/>
           </a:p>
@@ -4794,7 +4801,7 @@
           <a:p>
             <a:fld id="{4CA0CF49-733F-4C5F-A4B4-F52C035C356A}" type="datetimeFigureOut">
               <a:rPr kumimoji="1" lang="ja-JP" altLang="en-US" smtClean="0"/>
-              <a:t>2023/2/7</a:t>
+              <a:t>2023/2/8</a:t>
             </a:fld>
             <a:endParaRPr kumimoji="1" lang="ja-JP" altLang="en-US"/>
           </a:p>
@@ -5103,7 +5110,7 @@
           <a:p>
             <a:fld id="{4CA0CF49-733F-4C5F-A4B4-F52C035C356A}" type="datetimeFigureOut">
               <a:rPr kumimoji="1" lang="ja-JP" altLang="en-US" smtClean="0"/>
-              <a:t>2023/2/7</a:t>
+              <a:t>2023/2/8</a:t>
             </a:fld>
             <a:endParaRPr kumimoji="1" lang="ja-JP" altLang="en-US"/>
           </a:p>
@@ -5360,7 +5367,7 @@
           <a:p>
             <a:fld id="{4CA0CF49-733F-4C5F-A4B4-F52C035C356A}" type="datetimeFigureOut">
               <a:rPr kumimoji="1" lang="ja-JP" altLang="en-US" smtClean="0"/>
-              <a:t>2023/2/7</a:t>
+              <a:t>2023/2/8</a:t>
             </a:fld>
             <a:endParaRPr kumimoji="1" lang="ja-JP" altLang="en-US"/>
           </a:p>
@@ -5605,7 +5612,7 @@
           <a:p>
             <a:fld id="{4CA0CF49-733F-4C5F-A4B4-F52C035C356A}" type="datetimeFigureOut">
               <a:rPr kumimoji="1" lang="ja-JP" altLang="en-US" smtClean="0"/>
-              <a:t>2023/2/7</a:t>
+              <a:t>2023/2/8</a:t>
             </a:fld>
             <a:endParaRPr kumimoji="1" lang="ja-JP" altLang="en-US"/>
           </a:p>
@@ -6023,7 +6030,7 @@
           <p:nvPr>
             <p:extLst>
               <p:ext uri="{D42A27DB-BD31-4B8C-83A1-F6EECF244321}">
-                <p14:modId xmlns:p14="http://schemas.microsoft.com/office/powerpoint/2010/main" val="1565000439"/>
+                <p14:modId xmlns:p14="http://schemas.microsoft.com/office/powerpoint/2010/main" val="3174905919"/>
               </p:ext>
             </p:extLst>
           </p:nvPr>
